--- a/crime_data_wa_final.pptx
+++ b/crime_data_wa_final.pptx
@@ -134,152 +134,6 @@
 </p1510:revInfo>
 </file>
 
-<file path=ppt/changesInfos/changesInfo1.xml><?xml version="1.0" encoding="utf-8"?>
-<pc:chgInfo xmlns:a="http://schemas.openxmlformats.org/drawingml/2006/main" xmlns:r="http://schemas.openxmlformats.org/officeDocument/2006/relationships" xmlns:ac="http://schemas.microsoft.com/office/drawing/2013/main/command" xmlns:pc="http://schemas.microsoft.com/office/powerpoint/2013/main/command">
-  <pc:docChgLst>
-    <pc:chgData name="Mel Burge" userId="e22249d90c60a859" providerId="LiveId" clId="{48D4B4AD-2ADE-47EA-885C-37F3E16D3639}"/>
-    <pc:docChg chg="custSel delSld modSld">
-      <pc:chgData name="Mel Burge" userId="e22249d90c60a859" providerId="LiveId" clId="{48D4B4AD-2ADE-47EA-885C-37F3E16D3639}" dt="2024-01-14T12:33:04.095" v="73" actId="20577"/>
-      <pc:docMkLst>
-        <pc:docMk/>
-      </pc:docMkLst>
-      <pc:sldChg chg="del">
-        <pc:chgData name="Mel Burge" userId="e22249d90c60a859" providerId="LiveId" clId="{48D4B4AD-2ADE-47EA-885C-37F3E16D3639}" dt="2024-01-14T12:23:11.649" v="1" actId="2696"/>
-        <pc:sldMkLst>
-          <pc:docMk/>
-          <pc:sldMk cId="2322631896" sldId="258"/>
-        </pc:sldMkLst>
-      </pc:sldChg>
-      <pc:sldChg chg="del">
-        <pc:chgData name="Mel Burge" userId="e22249d90c60a859" providerId="LiveId" clId="{48D4B4AD-2ADE-47EA-885C-37F3E16D3639}" dt="2024-01-14T11:11:46.133" v="0" actId="2696"/>
-        <pc:sldMkLst>
-          <pc:docMk/>
-          <pc:sldMk cId="657061304" sldId="264"/>
-        </pc:sldMkLst>
-      </pc:sldChg>
-      <pc:sldChg chg="addSp delSp modSp mod">
-        <pc:chgData name="Mel Burge" userId="e22249d90c60a859" providerId="LiveId" clId="{48D4B4AD-2ADE-47EA-885C-37F3E16D3639}" dt="2024-01-14T12:32:56.173" v="71" actId="20577"/>
-        <pc:sldMkLst>
-          <pc:docMk/>
-          <pc:sldMk cId="990920945" sldId="271"/>
-        </pc:sldMkLst>
-        <pc:spChg chg="mod">
-          <ac:chgData name="Mel Burge" userId="e22249d90c60a859" providerId="LiveId" clId="{48D4B4AD-2ADE-47EA-885C-37F3E16D3639}" dt="2024-01-14T12:32:56.173" v="71" actId="20577"/>
-          <ac:spMkLst>
-            <pc:docMk/>
-            <pc:sldMk cId="990920945" sldId="271"/>
-            <ac:spMk id="2" creationId="{B33B70BE-60A2-F583-9570-282FD84A9338}"/>
-          </ac:spMkLst>
-        </pc:spChg>
-        <pc:spChg chg="mod">
-          <ac:chgData name="Mel Burge" userId="e22249d90c60a859" providerId="LiveId" clId="{48D4B4AD-2ADE-47EA-885C-37F3E16D3639}" dt="2024-01-14T12:31:19.044" v="62"/>
-          <ac:spMkLst>
-            <pc:docMk/>
-            <pc:sldMk cId="990920945" sldId="271"/>
-            <ac:spMk id="3" creationId="{65EEAEA4-1F79-B89E-83D3-CF8438FF6784}"/>
-          </ac:spMkLst>
-        </pc:spChg>
-        <pc:picChg chg="add mod">
-          <ac:chgData name="Mel Burge" userId="e22249d90c60a859" providerId="LiveId" clId="{48D4B4AD-2ADE-47EA-885C-37F3E16D3639}" dt="2024-01-14T12:24:12.634" v="15" actId="14100"/>
-          <ac:picMkLst>
-            <pc:docMk/>
-            <pc:sldMk cId="990920945" sldId="271"/>
-            <ac:picMk id="4" creationId="{595700D2-3BBD-F749-D01F-68BD23A40191}"/>
-          </ac:picMkLst>
-        </pc:picChg>
-        <pc:picChg chg="add del mod">
-          <ac:chgData name="Mel Burge" userId="e22249d90c60a859" providerId="LiveId" clId="{48D4B4AD-2ADE-47EA-885C-37F3E16D3639}" dt="2024-01-14T12:25:45.415" v="27" actId="478"/>
-          <ac:picMkLst>
-            <pc:docMk/>
-            <pc:sldMk cId="990920945" sldId="271"/>
-            <ac:picMk id="5" creationId="{1F08BAAB-EEDC-C5EF-6F67-95BBD45E6D8A}"/>
-          </ac:picMkLst>
-        </pc:picChg>
-        <pc:picChg chg="add mod">
-          <ac:chgData name="Mel Burge" userId="e22249d90c60a859" providerId="LiveId" clId="{48D4B4AD-2ADE-47EA-885C-37F3E16D3639}" dt="2024-01-14T12:31:41.064" v="63" actId="1076"/>
-          <ac:picMkLst>
-            <pc:docMk/>
-            <pc:sldMk cId="990920945" sldId="271"/>
-            <ac:picMk id="6" creationId="{345843AB-38C5-3E47-E89A-80DD914139D8}"/>
-          </ac:picMkLst>
-        </pc:picChg>
-        <pc:picChg chg="del">
-          <ac:chgData name="Mel Burge" userId="e22249d90c60a859" providerId="LiveId" clId="{48D4B4AD-2ADE-47EA-885C-37F3E16D3639}" dt="2024-01-14T12:23:36.470" v="8" actId="478"/>
-          <ac:picMkLst>
-            <pc:docMk/>
-            <pc:sldMk cId="990920945" sldId="271"/>
-            <ac:picMk id="10" creationId="{C9FBA1F8-FAC5-8B39-470B-F81A2FE632B9}"/>
-          </ac:picMkLst>
-        </pc:picChg>
-        <pc:picChg chg="del">
-          <ac:chgData name="Mel Burge" userId="e22249d90c60a859" providerId="LiveId" clId="{48D4B4AD-2ADE-47EA-885C-37F3E16D3639}" dt="2024-01-14T12:23:18.909" v="2" actId="478"/>
-          <ac:picMkLst>
-            <pc:docMk/>
-            <pc:sldMk cId="990920945" sldId="271"/>
-            <ac:picMk id="11" creationId="{D9CDF927-1953-298E-7DA4-892C6010B7CC}"/>
-          </ac:picMkLst>
-        </pc:picChg>
-      </pc:sldChg>
-      <pc:sldChg chg="addSp delSp modSp mod">
-        <pc:chgData name="Mel Burge" userId="e22249d90c60a859" providerId="LiveId" clId="{48D4B4AD-2ADE-47EA-885C-37F3E16D3639}" dt="2024-01-14T12:33:04.095" v="73" actId="20577"/>
-        <pc:sldMkLst>
-          <pc:docMk/>
-          <pc:sldMk cId="2513013952" sldId="272"/>
-        </pc:sldMkLst>
-        <pc:spChg chg="mod">
-          <ac:chgData name="Mel Burge" userId="e22249d90c60a859" providerId="LiveId" clId="{48D4B4AD-2ADE-47EA-885C-37F3E16D3639}" dt="2024-01-14T12:33:04.095" v="73" actId="20577"/>
-          <ac:spMkLst>
-            <pc:docMk/>
-            <pc:sldMk cId="2513013952" sldId="272"/>
-            <ac:spMk id="2" creationId="{B33B70BE-60A2-F583-9570-282FD84A9338}"/>
-          </ac:spMkLst>
-        </pc:spChg>
-        <pc:spChg chg="mod">
-          <ac:chgData name="Mel Burge" userId="e22249d90c60a859" providerId="LiveId" clId="{48D4B4AD-2ADE-47EA-885C-37F3E16D3639}" dt="2024-01-14T12:29:52.001" v="55" actId="6549"/>
-          <ac:spMkLst>
-            <pc:docMk/>
-            <pc:sldMk cId="2513013952" sldId="272"/>
-            <ac:spMk id="3" creationId="{65EEAEA4-1F79-B89E-83D3-CF8438FF6784}"/>
-          </ac:spMkLst>
-        </pc:spChg>
-        <pc:picChg chg="add mod">
-          <ac:chgData name="Mel Burge" userId="e22249d90c60a859" providerId="LiveId" clId="{48D4B4AD-2ADE-47EA-885C-37F3E16D3639}" dt="2024-01-14T12:30:26.071" v="59" actId="14100"/>
-          <ac:picMkLst>
-            <pc:docMk/>
-            <pc:sldMk cId="2513013952" sldId="272"/>
-            <ac:picMk id="4" creationId="{0A174F1B-E0A6-70EB-A9A3-500019DE8921}"/>
-          </ac:picMkLst>
-        </pc:picChg>
-        <pc:picChg chg="add mod">
-          <ac:chgData name="Mel Burge" userId="e22249d90c60a859" providerId="LiveId" clId="{48D4B4AD-2ADE-47EA-885C-37F3E16D3639}" dt="2024-01-14T12:30:30.015" v="60" actId="1076"/>
-          <ac:picMkLst>
-            <pc:docMk/>
-            <pc:sldMk cId="2513013952" sldId="272"/>
-            <ac:picMk id="5" creationId="{67D6F0DB-F766-551F-F752-58FABE77E253}"/>
-          </ac:picMkLst>
-        </pc:picChg>
-        <pc:picChg chg="del">
-          <ac:chgData name="Mel Burge" userId="e22249d90c60a859" providerId="LiveId" clId="{48D4B4AD-2ADE-47EA-885C-37F3E16D3639}" dt="2024-01-14T12:24:21.710" v="17" actId="478"/>
-          <ac:picMkLst>
-            <pc:docMk/>
-            <pc:sldMk cId="2513013952" sldId="272"/>
-            <ac:picMk id="7" creationId="{7AB690C5-7770-8F25-2EEE-CC97561E4DEE}"/>
-          </ac:picMkLst>
-        </pc:picChg>
-        <pc:picChg chg="del">
-          <ac:chgData name="Mel Burge" userId="e22249d90c60a859" providerId="LiveId" clId="{48D4B4AD-2ADE-47EA-885C-37F3E16D3639}" dt="2024-01-14T12:24:22.451" v="18" actId="478"/>
-          <ac:picMkLst>
-            <pc:docMk/>
-            <pc:sldMk cId="2513013952" sldId="272"/>
-            <ac:picMk id="9" creationId="{94C20225-1ECD-2845-7AC9-94150AA29F01}"/>
-          </ac:picMkLst>
-        </pc:picChg>
-      </pc:sldChg>
-    </pc:docChg>
-  </pc:docChgLst>
-</pc:chgInfo>
-</file>
-
 <file path=ppt/notesMasters/notesMaster1.xml><?xml version="1.0" encoding="utf-8"?>
 <p:notesMaster xmlns:a="http://schemas.openxmlformats.org/drawingml/2006/main" xmlns:r="http://schemas.openxmlformats.org/officeDocument/2006/relationships" xmlns:p="http://schemas.openxmlformats.org/presentationml/2006/main">
   <p:cSld>
@@ -362,7 +216,7 @@
           <a:p>
             <a:fld id="{E15F6783-B479-4E27-A1FF-CCF74E8EF13E}" type="datetimeFigureOut">
               <a:rPr lang="en-AU" smtClean="0"/>
-              <a:t>14/01/2024</a:t>
+              <a:t>15/01/2024</a:t>
             </a:fld>
             <a:endParaRPr lang="en-AU"/>
           </a:p>
@@ -939,7 +793,7 @@
             <a:fld id="{5586B75A-687E-405C-8A0B-8D00578BA2C3}" type="datetimeFigureOut">
               <a:rPr lang="en-US" dirty="0"/>
               <a:pPr/>
-              <a:t>1/14/2024</a:t>
+              <a:t>1/15/2024</a:t>
             </a:fld>
             <a:endParaRPr lang="en-US" dirty="0"/>
           </a:p>
@@ -1106,7 +960,7 @@
             <a:fld id="{5586B75A-687E-405C-8A0B-8D00578BA2C3}" type="datetimeFigureOut">
               <a:rPr lang="en-US" dirty="0"/>
               <a:pPr/>
-              <a:t>1/14/2024</a:t>
+              <a:t>1/15/2024</a:t>
             </a:fld>
             <a:endParaRPr lang="en-US" dirty="0"/>
           </a:p>
@@ -1283,7 +1137,7 @@
             <a:fld id="{5586B75A-687E-405C-8A0B-8D00578BA2C3}" type="datetimeFigureOut">
               <a:rPr lang="en-US" dirty="0"/>
               <a:pPr/>
-              <a:t>1/14/2024</a:t>
+              <a:t>1/15/2024</a:t>
             </a:fld>
             <a:endParaRPr lang="en-US" dirty="0"/>
           </a:p>
@@ -1450,7 +1304,7 @@
             <a:fld id="{5586B75A-687E-405C-8A0B-8D00578BA2C3}" type="datetimeFigureOut">
               <a:rPr lang="en-US" dirty="0"/>
               <a:pPr/>
-              <a:t>1/14/2024</a:t>
+              <a:t>1/15/2024</a:t>
             </a:fld>
             <a:endParaRPr lang="en-US" dirty="0"/>
           </a:p>
@@ -1705,7 +1559,7 @@
             <a:fld id="{5586B75A-687E-405C-8A0B-8D00578BA2C3}" type="datetimeFigureOut">
               <a:rPr lang="en-US" dirty="0"/>
               <a:pPr/>
-              <a:t>1/14/2024</a:t>
+              <a:t>1/15/2024</a:t>
             </a:fld>
             <a:endParaRPr lang="en-US" dirty="0"/>
           </a:p>
@@ -1990,7 +1844,7 @@
             <a:fld id="{5586B75A-687E-405C-8A0B-8D00578BA2C3}" type="datetimeFigureOut">
               <a:rPr lang="en-US" dirty="0"/>
               <a:pPr/>
-              <a:t>1/14/2024</a:t>
+              <a:t>1/15/2024</a:t>
             </a:fld>
             <a:endParaRPr lang="en-US" dirty="0"/>
           </a:p>
@@ -2429,7 +2283,7 @@
             <a:fld id="{5586B75A-687E-405C-8A0B-8D00578BA2C3}" type="datetimeFigureOut">
               <a:rPr lang="en-US" dirty="0"/>
               <a:pPr/>
-              <a:t>1/14/2024</a:t>
+              <a:t>1/15/2024</a:t>
             </a:fld>
             <a:endParaRPr lang="en-US" dirty="0"/>
           </a:p>
@@ -2544,7 +2398,7 @@
             <a:fld id="{5586B75A-687E-405C-8A0B-8D00578BA2C3}" type="datetimeFigureOut">
               <a:rPr lang="en-US" dirty="0"/>
               <a:pPr/>
-              <a:t>1/14/2024</a:t>
+              <a:t>1/15/2024</a:t>
             </a:fld>
             <a:endParaRPr lang="en-US" dirty="0"/>
           </a:p>
@@ -2636,7 +2490,7 @@
             <a:fld id="{5586B75A-687E-405C-8A0B-8D00578BA2C3}" type="datetimeFigureOut">
               <a:rPr lang="en-US" dirty="0"/>
               <a:pPr/>
-              <a:t>1/14/2024</a:t>
+              <a:t>1/15/2024</a:t>
             </a:fld>
             <a:endParaRPr lang="en-US" dirty="0"/>
           </a:p>
@@ -2921,7 +2775,7 @@
             <a:fld id="{5586B75A-687E-405C-8A0B-8D00578BA2C3}" type="datetimeFigureOut">
               <a:rPr lang="en-US" dirty="0"/>
               <a:pPr/>
-              <a:t>1/14/2024</a:t>
+              <a:t>1/15/2024</a:t>
             </a:fld>
             <a:endParaRPr lang="en-US" dirty="0"/>
           </a:p>
@@ -3191,7 +3045,7 @@
             <a:fld id="{5586B75A-687E-405C-8A0B-8D00578BA2C3}" type="datetimeFigureOut">
               <a:rPr lang="en-US" dirty="0"/>
               <a:pPr/>
-              <a:t>1/14/2024</a:t>
+              <a:t>1/15/2024</a:t>
             </a:fld>
             <a:endParaRPr lang="en-US" dirty="0"/>
           </a:p>
@@ -3485,7 +3339,7 @@
             <a:fld id="{5586B75A-687E-405C-8A0B-8D00578BA2C3}" type="datetimeFigureOut">
               <a:rPr lang="en-US" dirty="0"/>
               <a:pPr/>
-              <a:t>1/14/2024</a:t>
+              <a:t>1/15/2024</a:t>
             </a:fld>
             <a:endParaRPr lang="en-US" dirty="0"/>
           </a:p>
@@ -5898,10 +5752,10 @@
       </p:sp>
       <p:pic>
         <p:nvPicPr>
-          <p:cNvPr id="8" name="Content Placeholder 7" descr="A pie chart with numbers and text&#10;&#10;Description automatically generated">
+          <p:cNvPr id="18" name="Content Placeholder 17" descr="A pie chart with numbers and text&#10;&#10;Description automatically generated">
             <a:extLst>
               <a:ext uri="{FF2B5EF4-FFF2-40B4-BE49-F238E27FC236}">
-                <a16:creationId xmlns:a16="http://schemas.microsoft.com/office/drawing/2014/main" id="{7FB636A1-C2A8-AF91-9CD9-61B3E04AA4E3}"/>
+                <a16:creationId xmlns:a16="http://schemas.microsoft.com/office/drawing/2014/main" id="{30AB9584-4E77-FF39-EA14-88C3F5B4EB15}"/>
               </a:ext>
             </a:extLst>
           </p:cNvPr>
@@ -5920,8 +5774,8 @@
         </p:blipFill>
         <p:spPr>
           <a:xfrm>
-            <a:off x="6247389" y="1831306"/>
-            <a:ext cx="5488423" cy="3392547"/>
+            <a:off x="6277874" y="1622942"/>
+            <a:ext cx="5639165" cy="3485725"/>
           </a:xfrm>
         </p:spPr>
       </p:pic>
@@ -7812,8 +7666,8 @@
         </p:nvSpPr>
         <p:spPr>
           <a:xfrm>
-            <a:off x="281609" y="1236488"/>
-            <a:ext cx="11628782" cy="1815882"/>
+            <a:off x="0" y="1060257"/>
+            <a:ext cx="11628782" cy="2062103"/>
           </a:xfrm>
           <a:prstGeom prst="rect">
             <a:avLst/>
@@ -7844,9 +7698,8 @@
                 <a:effectLst/>
                 <a:latin typeface="Söhne"/>
               </a:rPr>
-              <a:t>The onset of the 2010 Mining Boom marked the initiation of a period characterized by elevated incomes and a surplus of job opportunities within the mining industry.</a:t>
-            </a:r>
-            <a:endParaRPr lang="en-US" sz="1600" dirty="0"/>
+              <a:t>The commencement of the Mining Boom in 2010 signaled the start of a phase defined by increased incomes and a surplus of job opportunities in the mining sector. Even the 2020 lockdown amid the COVID-19 pandemic did not have as pronounced an impact on crime rates as the Mining Boom in 2010.</a:t>
+            </a:r>
           </a:p>
           <a:p>
             <a:r>

--- a/crime_data_wa_final.pptx
+++ b/crime_data_wa_final.pptx
@@ -130,8 +130,38 @@
 <p1510:revInfo xmlns:a="http://schemas.openxmlformats.org/drawingml/2006/main" xmlns:r="http://schemas.openxmlformats.org/officeDocument/2006/relationships" xmlns:p1510="http://schemas.microsoft.com/office/powerpoint/2015/10/main">
   <p1510:revLst>
     <p1510:client id="{48D4B4AD-2ADE-47EA-885C-37F3E16D3639}" v="5" dt="2024-01-14T12:25:47.236"/>
+    <p1510:client id="{8C5A28F4-C84C-2348-9DC3-EFBE62ED8450}" v="3" dt="2024-01-15T09:55:52.879"/>
   </p1510:revLst>
 </p1510:revInfo>
+</file>
+
+<file path=ppt/changesInfos/changesInfo1.xml><?xml version="1.0" encoding="utf-8"?>
+<pc:chgInfo xmlns:a="http://schemas.openxmlformats.org/drawingml/2006/main" xmlns:r="http://schemas.openxmlformats.org/officeDocument/2006/relationships" xmlns:ac="http://schemas.microsoft.com/office/drawing/2013/main/command" xmlns:pc="http://schemas.microsoft.com/office/powerpoint/2013/main/command">
+  <pc:docChgLst>
+    <pc:chgData name="Tyson Horsewell" userId="9d62520b902d234e" providerId="LiveId" clId="{8C5A28F4-C84C-2348-9DC3-EFBE62ED8450}"/>
+    <pc:docChg chg="custSel modSld">
+      <pc:chgData name="Tyson Horsewell" userId="9d62520b902d234e" providerId="LiveId" clId="{8C5A28F4-C84C-2348-9DC3-EFBE62ED8450}" dt="2024-01-15T09:55:52.903" v="5" actId="27636"/>
+      <pc:docMkLst>
+        <pc:docMk/>
+      </pc:docMkLst>
+      <pc:sldChg chg="modSp mod">
+        <pc:chgData name="Tyson Horsewell" userId="9d62520b902d234e" providerId="LiveId" clId="{8C5A28F4-C84C-2348-9DC3-EFBE62ED8450}" dt="2024-01-15T09:55:52.903" v="5" actId="27636"/>
+        <pc:sldMkLst>
+          <pc:docMk/>
+          <pc:sldMk cId="456904907" sldId="269"/>
+        </pc:sldMkLst>
+        <pc:spChg chg="mod">
+          <ac:chgData name="Tyson Horsewell" userId="9d62520b902d234e" providerId="LiveId" clId="{8C5A28F4-C84C-2348-9DC3-EFBE62ED8450}" dt="2024-01-15T09:55:52.903" v="5" actId="27636"/>
+          <ac:spMkLst>
+            <pc:docMk/>
+            <pc:sldMk cId="456904907" sldId="269"/>
+            <ac:spMk id="4" creationId="{62FC3670-22B4-A43F-88B6-843477EACE52}"/>
+          </ac:spMkLst>
+        </pc:spChg>
+      </pc:sldChg>
+    </pc:docChg>
+  </pc:docChgLst>
+</pc:chgInfo>
 </file>
 
 <file path=ppt/notesMasters/notesMaster1.xml><?xml version="1.0" encoding="utf-8"?>
@@ -216,7 +246,7 @@
           <a:p>
             <a:fld id="{E15F6783-B479-4E27-A1FF-CCF74E8EF13E}" type="datetimeFigureOut">
               <a:rPr lang="en-AU" smtClean="0"/>
-              <a:t>15/01/2024</a:t>
+              <a:t>15/1/2024</a:t>
             </a:fld>
             <a:endParaRPr lang="en-AU"/>
           </a:p>
@@ -793,7 +823,7 @@
             <a:fld id="{5586B75A-687E-405C-8A0B-8D00578BA2C3}" type="datetimeFigureOut">
               <a:rPr lang="en-US" dirty="0"/>
               <a:pPr/>
-              <a:t>1/15/2024</a:t>
+              <a:t>1/15/24</a:t>
             </a:fld>
             <a:endParaRPr lang="en-US" dirty="0"/>
           </a:p>
@@ -960,7 +990,7 @@
             <a:fld id="{5586B75A-687E-405C-8A0B-8D00578BA2C3}" type="datetimeFigureOut">
               <a:rPr lang="en-US" dirty="0"/>
               <a:pPr/>
-              <a:t>1/15/2024</a:t>
+              <a:t>1/15/24</a:t>
             </a:fld>
             <a:endParaRPr lang="en-US" dirty="0"/>
           </a:p>
@@ -1137,7 +1167,7 @@
             <a:fld id="{5586B75A-687E-405C-8A0B-8D00578BA2C3}" type="datetimeFigureOut">
               <a:rPr lang="en-US" dirty="0"/>
               <a:pPr/>
-              <a:t>1/15/2024</a:t>
+              <a:t>1/15/24</a:t>
             </a:fld>
             <a:endParaRPr lang="en-US" dirty="0"/>
           </a:p>
@@ -1304,7 +1334,7 @@
             <a:fld id="{5586B75A-687E-405C-8A0B-8D00578BA2C3}" type="datetimeFigureOut">
               <a:rPr lang="en-US" dirty="0"/>
               <a:pPr/>
-              <a:t>1/15/2024</a:t>
+              <a:t>1/15/24</a:t>
             </a:fld>
             <a:endParaRPr lang="en-US" dirty="0"/>
           </a:p>
@@ -1559,7 +1589,7 @@
             <a:fld id="{5586B75A-687E-405C-8A0B-8D00578BA2C3}" type="datetimeFigureOut">
               <a:rPr lang="en-US" dirty="0"/>
               <a:pPr/>
-              <a:t>1/15/2024</a:t>
+              <a:t>1/15/24</a:t>
             </a:fld>
             <a:endParaRPr lang="en-US" dirty="0"/>
           </a:p>
@@ -1844,7 +1874,7 @@
             <a:fld id="{5586B75A-687E-405C-8A0B-8D00578BA2C3}" type="datetimeFigureOut">
               <a:rPr lang="en-US" dirty="0"/>
               <a:pPr/>
-              <a:t>1/15/2024</a:t>
+              <a:t>1/15/24</a:t>
             </a:fld>
             <a:endParaRPr lang="en-US" dirty="0"/>
           </a:p>
@@ -2283,7 +2313,7 @@
             <a:fld id="{5586B75A-687E-405C-8A0B-8D00578BA2C3}" type="datetimeFigureOut">
               <a:rPr lang="en-US" dirty="0"/>
               <a:pPr/>
-              <a:t>1/15/2024</a:t>
+              <a:t>1/15/24</a:t>
             </a:fld>
             <a:endParaRPr lang="en-US" dirty="0"/>
           </a:p>
@@ -2398,7 +2428,7 @@
             <a:fld id="{5586B75A-687E-405C-8A0B-8D00578BA2C3}" type="datetimeFigureOut">
               <a:rPr lang="en-US" dirty="0"/>
               <a:pPr/>
-              <a:t>1/15/2024</a:t>
+              <a:t>1/15/24</a:t>
             </a:fld>
             <a:endParaRPr lang="en-US" dirty="0"/>
           </a:p>
@@ -2490,7 +2520,7 @@
             <a:fld id="{5586B75A-687E-405C-8A0B-8D00578BA2C3}" type="datetimeFigureOut">
               <a:rPr lang="en-US" dirty="0"/>
               <a:pPr/>
-              <a:t>1/15/2024</a:t>
+              <a:t>1/15/24</a:t>
             </a:fld>
             <a:endParaRPr lang="en-US" dirty="0"/>
           </a:p>
@@ -2775,7 +2805,7 @@
             <a:fld id="{5586B75A-687E-405C-8A0B-8D00578BA2C3}" type="datetimeFigureOut">
               <a:rPr lang="en-US" dirty="0"/>
               <a:pPr/>
-              <a:t>1/15/2024</a:t>
+              <a:t>1/15/24</a:t>
             </a:fld>
             <a:endParaRPr lang="en-US" dirty="0"/>
           </a:p>
@@ -3045,7 +3075,7 @@
             <a:fld id="{5586B75A-687E-405C-8A0B-8D00578BA2C3}" type="datetimeFigureOut">
               <a:rPr lang="en-US" dirty="0"/>
               <a:pPr/>
-              <a:t>1/15/2024</a:t>
+              <a:t>1/15/24</a:t>
             </a:fld>
             <a:endParaRPr lang="en-US" dirty="0"/>
           </a:p>
@@ -3339,7 +3369,7 @@
             <a:fld id="{5586B75A-687E-405C-8A0B-8D00578BA2C3}" type="datetimeFigureOut">
               <a:rPr lang="en-US" dirty="0"/>
               <a:pPr/>
-              <a:t>1/15/2024</a:t>
+              <a:t>1/15/24</a:t>
             </a:fld>
             <a:endParaRPr lang="en-US" dirty="0"/>
           </a:p>
@@ -4497,7 +4527,7 @@
         </p:spPr>
         <p:txBody>
           <a:bodyPr>
-            <a:normAutofit lnSpcReduction="10000"/>
+            <a:normAutofit fontScale="92500" lnSpcReduction="10000"/>
           </a:bodyPr>
           <a:lstStyle/>
           <a:p>
@@ -4540,14 +4570,14 @@
               </a:rPr>
               <a:t>https://www.abs.gov.au/statistics/people/population/national-state-and-territory-population/latest-release</a:t>
             </a:r>
-            <a:r>
-              <a:rPr lang="en-AU" b="0" i="0" dirty="0">
-                <a:effectLst/>
-                <a:latin typeface="Arial" panose="020B0604020202020204" pitchFamily="34" charset="0"/>
-                <a:cs typeface="Arial" panose="020B0604020202020204" pitchFamily="34" charset="0"/>
-              </a:rPr>
-              <a:t> </a:t>
-            </a:r>
+            <a:endParaRPr lang="en-AU" b="0" i="0" dirty="0">
+              <a:effectLst/>
+              <a:latin typeface="Arial" panose="020B0604020202020204" pitchFamily="34" charset="0"/>
+              <a:cs typeface="Arial" panose="020B0604020202020204" pitchFamily="34" charset="0"/>
+            </a:endParaRPr>
+          </a:p>
+          <a:p>
+            <a:pPr algn="l"/>
             <a:r>
               <a:rPr lang="en-AU" b="0" i="0" u="sng" dirty="0">
                 <a:effectLst/>
@@ -4609,14 +4639,14 @@
               </a:rPr>
               <a:t>https://www.abc.net.au/news/2016-02-11/wa-police-commissioner-backs-down-on-new-policing-model/7159736</a:t>
             </a:r>
-            <a:r>
-              <a:rPr lang="en-AU" b="0" i="0" dirty="0">
-                <a:effectLst/>
-                <a:latin typeface="Arial" panose="020B0604020202020204" pitchFamily="34" charset="0"/>
-                <a:cs typeface="Arial" panose="020B0604020202020204" pitchFamily="34" charset="0"/>
-              </a:rPr>
-              <a:t> </a:t>
-            </a:r>
+            <a:endParaRPr lang="en-AU" b="0" i="0" dirty="0">
+              <a:effectLst/>
+              <a:latin typeface="Arial" panose="020B0604020202020204" pitchFamily="34" charset="0"/>
+              <a:cs typeface="Arial" panose="020B0604020202020204" pitchFamily="34" charset="0"/>
+            </a:endParaRPr>
+          </a:p>
+          <a:p>
+            <a:pPr algn="l"/>
             <a:r>
               <a:rPr lang="en-AU" b="0" i="0" u="sng" dirty="0">
                 <a:effectLst/>
@@ -4632,14 +4662,14 @@
               </a:rPr>
               <a:t>https://wamnnews.com.au/news/wa-police-overhauls-front-line-model-to-combat-rising-crime-rate/</a:t>
             </a:r>
-            <a:r>
-              <a:rPr lang="en-AU" b="0" i="0" dirty="0">
-                <a:effectLst/>
-                <a:latin typeface="Arial" panose="020B0604020202020204" pitchFamily="34" charset="0"/>
-                <a:cs typeface="Arial" panose="020B0604020202020204" pitchFamily="34" charset="0"/>
-              </a:rPr>
-              <a:t> </a:t>
-            </a:r>
+            <a:endParaRPr lang="en-AU" b="0" i="0" dirty="0">
+              <a:effectLst/>
+              <a:latin typeface="Arial" panose="020B0604020202020204" pitchFamily="34" charset="0"/>
+              <a:cs typeface="Arial" panose="020B0604020202020204" pitchFamily="34" charset="0"/>
+            </a:endParaRPr>
+          </a:p>
+          <a:p>
+            <a:pPr algn="l"/>
             <a:r>
               <a:rPr lang="en-AU" b="0" i="0" u="sng" dirty="0">
                 <a:effectLst/>
@@ -4655,14 +4685,14 @@
               </a:rPr>
               <a:t>https://thewest.com.au/politics/law-and-order/secret-police-files-liza-harvey-says-frontline-2020-policing-model-was-never-given-a-chance-ng-b881236411z</a:t>
             </a:r>
-            <a:r>
-              <a:rPr lang="en-AU" b="0" i="0" dirty="0">
-                <a:effectLst/>
-                <a:latin typeface="Arial" panose="020B0604020202020204" pitchFamily="34" charset="0"/>
-                <a:cs typeface="Arial" panose="020B0604020202020204" pitchFamily="34" charset="0"/>
-              </a:rPr>
-              <a:t> </a:t>
-            </a:r>
+            <a:endParaRPr lang="en-AU" b="0" i="0" dirty="0">
+              <a:effectLst/>
+              <a:latin typeface="Arial" panose="020B0604020202020204" pitchFamily="34" charset="0"/>
+              <a:cs typeface="Arial" panose="020B0604020202020204" pitchFamily="34" charset="0"/>
+            </a:endParaRPr>
+          </a:p>
+          <a:p>
+            <a:pPr algn="l"/>
             <a:r>
               <a:rPr lang="en-AU" b="0" i="0" u="sng" dirty="0">
                 <a:effectLst/>

--- a/crime_data_wa_final.pptx
+++ b/crime_data_wa_final.pptx
@@ -130,7 +130,7 @@
 <p1510:revInfo xmlns:a="http://schemas.openxmlformats.org/drawingml/2006/main" xmlns:r="http://schemas.openxmlformats.org/officeDocument/2006/relationships" xmlns:p1510="http://schemas.microsoft.com/office/powerpoint/2015/10/main">
   <p1510:revLst>
     <p1510:client id="{48D4B4AD-2ADE-47EA-885C-37F3E16D3639}" v="5" dt="2024-01-14T12:25:47.236"/>
-    <p1510:client id="{8C5A28F4-C84C-2348-9DC3-EFBE62ED8450}" v="3" dt="2024-01-15T09:55:52.879"/>
+    <p1510:client id="{8C5A28F4-C84C-2348-9DC3-EFBE62ED8450}" v="82" dt="2024-01-15T11:24:07.623"/>
   </p1510:revLst>
 </p1510:revInfo>
 </file>
@@ -140,10 +140,73 @@
   <pc:docChgLst>
     <pc:chgData name="Tyson Horsewell" userId="9d62520b902d234e" providerId="LiveId" clId="{8C5A28F4-C84C-2348-9DC3-EFBE62ED8450}"/>
     <pc:docChg chg="custSel modSld">
-      <pc:chgData name="Tyson Horsewell" userId="9d62520b902d234e" providerId="LiveId" clId="{8C5A28F4-C84C-2348-9DC3-EFBE62ED8450}" dt="2024-01-15T09:55:52.903" v="5" actId="27636"/>
+      <pc:chgData name="Tyson Horsewell" userId="9d62520b902d234e" providerId="LiveId" clId="{8C5A28F4-C84C-2348-9DC3-EFBE62ED8450}" dt="2024-01-15T11:24:31.985" v="159" actId="1035"/>
       <pc:docMkLst>
         <pc:docMk/>
       </pc:docMkLst>
+      <pc:sldChg chg="addSp delSp modSp mod">
+        <pc:chgData name="Tyson Horsewell" userId="9d62520b902d234e" providerId="LiveId" clId="{8C5A28F4-C84C-2348-9DC3-EFBE62ED8450}" dt="2024-01-15T11:24:31.985" v="159" actId="1035"/>
+        <pc:sldMkLst>
+          <pc:docMk/>
+          <pc:sldMk cId="4052496734" sldId="267"/>
+        </pc:sldMkLst>
+        <pc:spChg chg="del mod">
+          <ac:chgData name="Tyson Horsewell" userId="9d62520b902d234e" providerId="LiveId" clId="{8C5A28F4-C84C-2348-9DC3-EFBE62ED8450}" dt="2024-01-15T11:22:17.795" v="13" actId="478"/>
+          <ac:spMkLst>
+            <pc:docMk/>
+            <pc:sldMk cId="4052496734" sldId="267"/>
+            <ac:spMk id="3" creationId="{ABB3AFFB-A916-434E-1C98-C2299A0766C9}"/>
+          </ac:spMkLst>
+        </pc:spChg>
+        <pc:spChg chg="mod">
+          <ac:chgData name="Tyson Horsewell" userId="9d62520b902d234e" providerId="LiveId" clId="{8C5A28F4-C84C-2348-9DC3-EFBE62ED8450}" dt="2024-01-15T11:23:58.308" v="121" actId="1035"/>
+          <ac:spMkLst>
+            <pc:docMk/>
+            <pc:sldMk cId="4052496734" sldId="267"/>
+            <ac:spMk id="4" creationId="{A716D334-1398-512E-3306-3DBB2D4F69A0}"/>
+          </ac:spMkLst>
+        </pc:spChg>
+        <pc:spChg chg="add del mod">
+          <ac:chgData name="Tyson Horsewell" userId="9d62520b902d234e" providerId="LiveId" clId="{8C5A28F4-C84C-2348-9DC3-EFBE62ED8450}" dt="2024-01-15T11:22:19.881" v="14" actId="478"/>
+          <ac:spMkLst>
+            <pc:docMk/>
+            <pc:sldMk cId="4052496734" sldId="267"/>
+            <ac:spMk id="6" creationId="{8F4621AF-D649-F65E-8210-6083FE3225BA}"/>
+          </ac:spMkLst>
+        </pc:spChg>
+        <pc:spChg chg="add mod">
+          <ac:chgData name="Tyson Horsewell" userId="9d62520b902d234e" providerId="LiveId" clId="{8C5A28F4-C84C-2348-9DC3-EFBE62ED8450}" dt="2024-01-15T11:24:26.338" v="156" actId="1036"/>
+          <ac:spMkLst>
+            <pc:docMk/>
+            <pc:sldMk cId="4052496734" sldId="267"/>
+            <ac:spMk id="7" creationId="{5E257649-6905-FBA6-7014-CC22723BB8AA}"/>
+          </ac:spMkLst>
+        </pc:spChg>
+        <pc:spChg chg="add mod">
+          <ac:chgData name="Tyson Horsewell" userId="9d62520b902d234e" providerId="LiveId" clId="{8C5A28F4-C84C-2348-9DC3-EFBE62ED8450}" dt="2024-01-15T11:24:31.985" v="159" actId="1035"/>
+          <ac:spMkLst>
+            <pc:docMk/>
+            <pc:sldMk cId="4052496734" sldId="267"/>
+            <ac:spMk id="8" creationId="{2289D29C-4FEE-CA65-A032-26679232CD85}"/>
+          </ac:spMkLst>
+        </pc:spChg>
+        <pc:picChg chg="mod">
+          <ac:chgData name="Tyson Horsewell" userId="9d62520b902d234e" providerId="LiveId" clId="{8C5A28F4-C84C-2348-9DC3-EFBE62ED8450}" dt="2024-01-15T11:24:03.535" v="132" actId="1036"/>
+          <ac:picMkLst>
+            <pc:docMk/>
+            <pc:sldMk cId="4052496734" sldId="267"/>
+            <ac:picMk id="1026" creationId="{29E80C23-F6F0-9973-C50E-321886F207E6}"/>
+          </ac:picMkLst>
+        </pc:picChg>
+        <pc:picChg chg="mod">
+          <ac:chgData name="Tyson Horsewell" userId="9d62520b902d234e" providerId="LiveId" clId="{8C5A28F4-C84C-2348-9DC3-EFBE62ED8450}" dt="2024-01-15T11:24:07.623" v="136" actId="1036"/>
+          <ac:picMkLst>
+            <pc:docMk/>
+            <pc:sldMk cId="4052496734" sldId="267"/>
+            <ac:picMk id="1028" creationId="{17CE3B4C-3A75-CA48-EB8A-620AA9F59301}"/>
+          </ac:picMkLst>
+        </pc:picChg>
+      </pc:sldChg>
       <pc:sldChg chg="modSp mod">
         <pc:chgData name="Tyson Horsewell" userId="9d62520b902d234e" providerId="LiveId" clId="{8C5A28F4-C84C-2348-9DC3-EFBE62ED8450}" dt="2024-01-15T09:55:52.903" v="5" actId="27636"/>
         <pc:sldMkLst>
@@ -5420,34 +5483,6 @@
       </p:sp>
       <p:sp>
         <p:nvSpPr>
-          <p:cNvPr id="3" name="Text Placeholder 2">
-            <a:extLst>
-              <a:ext uri="{FF2B5EF4-FFF2-40B4-BE49-F238E27FC236}">
-                <a16:creationId xmlns:a16="http://schemas.microsoft.com/office/drawing/2014/main" id="{ABB3AFFB-A916-434E-1C98-C2299A0766C9}"/>
-              </a:ext>
-            </a:extLst>
-          </p:cNvPr>
-          <p:cNvSpPr>
-            <a:spLocks noGrp="1"/>
-          </p:cNvSpPr>
-          <p:nvPr>
-            <p:ph type="body" idx="1"/>
-          </p:nvPr>
-        </p:nvSpPr>
-        <p:spPr/>
-        <p:txBody>
-          <a:bodyPr/>
-          <a:lstStyle/>
-          <a:p>
-            <a:r>
-              <a:rPr lang="en-AU" dirty="0"/>
-              <a:t>TYSON</a:t>
-            </a:r>
-          </a:p>
-        </p:txBody>
-      </p:sp>
-      <p:sp>
-        <p:nvSpPr>
           <p:cNvPr id="4" name="Content Placeholder 3">
             <a:extLst>
               <a:ext uri="{FF2B5EF4-FFF2-40B4-BE49-F238E27FC236}">
@@ -5464,7 +5499,7 @@
         </p:nvSpPr>
         <p:spPr>
           <a:xfrm>
-            <a:off x="3867912" y="3200456"/>
+            <a:off x="3918154" y="3993171"/>
             <a:ext cx="7425271" cy="2834584"/>
           </a:xfrm>
         </p:spPr>
@@ -5555,8 +5590,8 @@
         </p:blipFill>
         <p:spPr bwMode="auto">
           <a:xfrm>
-            <a:off x="7726209" y="1962728"/>
-            <a:ext cx="4027375" cy="1022575"/>
+            <a:off x="4101285" y="2725567"/>
+            <a:ext cx="6820112" cy="1731668"/>
           </a:xfrm>
           <a:prstGeom prst="rect">
             <a:avLst/>
@@ -5602,8 +5637,8 @@
         </p:blipFill>
         <p:spPr bwMode="auto">
           <a:xfrm>
-            <a:off x="3585446" y="1918678"/>
-            <a:ext cx="4027373" cy="1066625"/>
+            <a:off x="4101285" y="542612"/>
+            <a:ext cx="6820109" cy="1806264"/>
           </a:xfrm>
           <a:prstGeom prst="rect">
             <a:avLst/>
@@ -5620,6 +5655,76 @@
           </a:extLst>
         </p:spPr>
       </p:pic>
+      <p:sp>
+        <p:nvSpPr>
+          <p:cNvPr id="7" name="TextBox 6">
+            <a:extLst>
+              <a:ext uri="{FF2B5EF4-FFF2-40B4-BE49-F238E27FC236}">
+                <a16:creationId xmlns:a16="http://schemas.microsoft.com/office/drawing/2014/main" id="{5E257649-6905-FBA6-7014-CC22723BB8AA}"/>
+              </a:ext>
+            </a:extLst>
+          </p:cNvPr>
+          <p:cNvSpPr txBox="1"/>
+          <p:nvPr/>
+        </p:nvSpPr>
+        <p:spPr>
+          <a:xfrm>
+            <a:off x="6390936" y="267983"/>
+            <a:ext cx="2240806" cy="369332"/>
+          </a:xfrm>
+          <a:prstGeom prst="rect">
+            <a:avLst/>
+          </a:prstGeom>
+          <a:noFill/>
+        </p:spPr>
+        <p:txBody>
+          <a:bodyPr wrap="none" rtlCol="0">
+            <a:spAutoFit/>
+          </a:bodyPr>
+          <a:lstStyle/>
+          <a:p>
+            <a:r>
+              <a:rPr lang="en-AU" dirty="0"/>
+              <a:t>Crime and Population</a:t>
+            </a:r>
+          </a:p>
+        </p:txBody>
+      </p:sp>
+      <p:sp>
+        <p:nvSpPr>
+          <p:cNvPr id="8" name="TextBox 7">
+            <a:extLst>
+              <a:ext uri="{FF2B5EF4-FFF2-40B4-BE49-F238E27FC236}">
+                <a16:creationId xmlns:a16="http://schemas.microsoft.com/office/drawing/2014/main" id="{2289D29C-4FEE-CA65-A032-26679232CD85}"/>
+              </a:ext>
+            </a:extLst>
+          </p:cNvPr>
+          <p:cNvSpPr txBox="1"/>
+          <p:nvPr/>
+        </p:nvSpPr>
+        <p:spPr>
+          <a:xfrm>
+            <a:off x="6312224" y="2396901"/>
+            <a:ext cx="2390398" cy="369332"/>
+          </a:xfrm>
+          <a:prstGeom prst="rect">
+            <a:avLst/>
+          </a:prstGeom>
+          <a:noFill/>
+        </p:spPr>
+        <p:txBody>
+          <a:bodyPr wrap="none" rtlCol="0">
+            <a:spAutoFit/>
+          </a:bodyPr>
+          <a:lstStyle/>
+          <a:p>
+            <a:r>
+              <a:rPr lang="en-AU" dirty="0"/>
+              <a:t>Crime and Immigration</a:t>
+            </a:r>
+          </a:p>
+        </p:txBody>
+      </p:sp>
     </p:spTree>
     <p:extLst>
       <p:ext uri="{BB962C8B-B14F-4D97-AF65-F5344CB8AC3E}">

--- a/crime_data_wa_final.pptx
+++ b/crime_data_wa_final.pptx
@@ -130,7 +130,7 @@
 <p1510:revInfo xmlns:a="http://schemas.openxmlformats.org/drawingml/2006/main" xmlns:r="http://schemas.openxmlformats.org/officeDocument/2006/relationships" xmlns:p1510="http://schemas.microsoft.com/office/powerpoint/2015/10/main">
   <p1510:revLst>
     <p1510:client id="{48D4B4AD-2ADE-47EA-885C-37F3E16D3639}" v="5" dt="2024-01-14T12:25:47.236"/>
-    <p1510:client id="{8C5A28F4-C84C-2348-9DC3-EFBE62ED8450}" v="82" dt="2024-01-15T11:24:07.623"/>
+    <p1510:client id="{8C5A28F4-C84C-2348-9DC3-EFBE62ED8450}" v="84" dt="2024-01-15T12:21:45.845"/>
   </p1510:revLst>
 </p1510:revInfo>
 </file>
@@ -140,10 +140,56 @@
   <pc:docChgLst>
     <pc:chgData name="Tyson Horsewell" userId="9d62520b902d234e" providerId="LiveId" clId="{8C5A28F4-C84C-2348-9DC3-EFBE62ED8450}"/>
     <pc:docChg chg="custSel modSld">
-      <pc:chgData name="Tyson Horsewell" userId="9d62520b902d234e" providerId="LiveId" clId="{8C5A28F4-C84C-2348-9DC3-EFBE62ED8450}" dt="2024-01-15T11:24:31.985" v="159" actId="1035"/>
+      <pc:chgData name="Tyson Horsewell" userId="9d62520b902d234e" providerId="LiveId" clId="{8C5A28F4-C84C-2348-9DC3-EFBE62ED8450}" dt="2024-01-15T12:21:53.460" v="194" actId="1037"/>
       <pc:docMkLst>
         <pc:docMk/>
       </pc:docMkLst>
+      <pc:sldChg chg="addSp delSp modSp mod">
+        <pc:chgData name="Tyson Horsewell" userId="9d62520b902d234e" providerId="LiveId" clId="{8C5A28F4-C84C-2348-9DC3-EFBE62ED8450}" dt="2024-01-15T12:21:45.844" v="180"/>
+        <pc:sldMkLst>
+          <pc:docMk/>
+          <pc:sldMk cId="3007793805" sldId="260"/>
+        </pc:sldMkLst>
+        <pc:spChg chg="add mod">
+          <ac:chgData name="Tyson Horsewell" userId="9d62520b902d234e" providerId="LiveId" clId="{8C5A28F4-C84C-2348-9DC3-EFBE62ED8450}" dt="2024-01-15T12:21:45.844" v="180"/>
+          <ac:spMkLst>
+            <pc:docMk/>
+            <pc:sldMk cId="3007793805" sldId="260"/>
+            <ac:spMk id="2" creationId="{9DC9566B-E007-5A0C-B10B-CF81E7ECC77C}"/>
+          </ac:spMkLst>
+        </pc:spChg>
+        <pc:spChg chg="del">
+          <ac:chgData name="Tyson Horsewell" userId="9d62520b902d234e" providerId="LiveId" clId="{8C5A28F4-C84C-2348-9DC3-EFBE62ED8450}" dt="2024-01-15T12:21:11.587" v="160" actId="21"/>
+          <ac:spMkLst>
+            <pc:docMk/>
+            <pc:sldMk cId="3007793805" sldId="260"/>
+            <ac:spMk id="6" creationId="{49D5560D-39AA-04FD-12DF-E3AB54A69F09}"/>
+          </ac:spMkLst>
+        </pc:spChg>
+      </pc:sldChg>
+      <pc:sldChg chg="addSp delSp modSp mod">
+        <pc:chgData name="Tyson Horsewell" userId="9d62520b902d234e" providerId="LiveId" clId="{8C5A28F4-C84C-2348-9DC3-EFBE62ED8450}" dt="2024-01-15T12:21:53.460" v="194" actId="1037"/>
+        <pc:sldMkLst>
+          <pc:docMk/>
+          <pc:sldMk cId="2837789690" sldId="266"/>
+        </pc:sldMkLst>
+        <pc:spChg chg="add mod">
+          <ac:chgData name="Tyson Horsewell" userId="9d62520b902d234e" providerId="LiveId" clId="{8C5A28F4-C84C-2348-9DC3-EFBE62ED8450}" dt="2024-01-15T12:21:53.460" v="194" actId="1037"/>
+          <ac:spMkLst>
+            <pc:docMk/>
+            <pc:sldMk cId="2837789690" sldId="266"/>
+            <ac:spMk id="2" creationId="{8D58542F-A704-555C-CD74-5D16E748F3D4}"/>
+          </ac:spMkLst>
+        </pc:spChg>
+        <pc:spChg chg="del">
+          <ac:chgData name="Tyson Horsewell" userId="9d62520b902d234e" providerId="LiveId" clId="{8C5A28F4-C84C-2348-9DC3-EFBE62ED8450}" dt="2024-01-15T12:21:42.710" v="179" actId="21"/>
+          <ac:spMkLst>
+            <pc:docMk/>
+            <pc:sldMk cId="2837789690" sldId="266"/>
+            <ac:spMk id="6" creationId="{2673BA05-98C5-7D2B-29BA-2284C797A001}"/>
+          </ac:spMkLst>
+        </pc:spChg>
+      </pc:sldChg>
       <pc:sldChg chg="addSp delSp modSp mod">
         <pc:chgData name="Tyson Horsewell" userId="9d62520b902d234e" providerId="LiveId" clId="{8C5A28F4-C84C-2348-9DC3-EFBE62ED8450}" dt="2024-01-15T11:24:31.985" v="159" actId="1035"/>
         <pc:sldMkLst>
@@ -6162,10 +6208,10 @@
       </p:sp>
       <p:sp>
         <p:nvSpPr>
-          <p:cNvPr id="6" name="TextBox 5">
+          <p:cNvPr id="2" name="TextBox 1">
             <a:extLst>
               <a:ext uri="{FF2B5EF4-FFF2-40B4-BE49-F238E27FC236}">
-                <a16:creationId xmlns:a16="http://schemas.microsoft.com/office/drawing/2014/main" id="{49D5560D-39AA-04FD-12DF-E3AB54A69F09}"/>
+                <a16:creationId xmlns:a16="http://schemas.microsoft.com/office/drawing/2014/main" id="{9DC9566B-E007-5A0C-B10B-CF81E7ECC77C}"/>
               </a:ext>
             </a:extLst>
           </p:cNvPr>
@@ -6174,8 +6220,8 @@
         </p:nvSpPr>
         <p:spPr>
           <a:xfrm>
-            <a:off x="162936" y="98668"/>
-            <a:ext cx="6269761" cy="861774"/>
+            <a:off x="120407" y="93073"/>
+            <a:ext cx="6134987" cy="861774"/>
           </a:xfrm>
           <a:prstGeom prst="rect">
             <a:avLst/>
@@ -6290,7 +6336,7 @@
                 <a:ea typeface="Calibri" panose="020F0502020204030204" pitchFamily="34" charset="0"/>
                 <a:cs typeface="Times New Roman" panose="02020603050405020304" pitchFamily="18" charset="0"/>
               </a:rPr>
-              <a:t>years</a:t>
+              <a:t>regions</a:t>
             </a:r>
           </a:p>
           <a:p>
@@ -6587,10 +6633,10 @@
       </p:sp>
       <p:sp>
         <p:nvSpPr>
-          <p:cNvPr id="6" name="TextBox 5">
+          <p:cNvPr id="2" name="TextBox 1">
             <a:extLst>
               <a:ext uri="{FF2B5EF4-FFF2-40B4-BE49-F238E27FC236}">
-                <a16:creationId xmlns:a16="http://schemas.microsoft.com/office/drawing/2014/main" id="{2673BA05-98C5-7D2B-29BA-2284C797A001}"/>
+                <a16:creationId xmlns:a16="http://schemas.microsoft.com/office/drawing/2014/main" id="{8D58542F-A704-555C-CD74-5D16E748F3D4}"/>
               </a:ext>
             </a:extLst>
           </p:cNvPr>
@@ -6599,8 +6645,8 @@
         </p:nvSpPr>
         <p:spPr>
           <a:xfrm>
-            <a:off x="120407" y="93073"/>
-            <a:ext cx="6134987" cy="861774"/>
+            <a:off x="121994" y="98668"/>
+            <a:ext cx="6269761" cy="861774"/>
           </a:xfrm>
           <a:prstGeom prst="rect">
             <a:avLst/>
@@ -6715,7 +6761,7 @@
                 <a:ea typeface="Calibri" panose="020F0502020204030204" pitchFamily="34" charset="0"/>
                 <a:cs typeface="Times New Roman" panose="02020603050405020304" pitchFamily="18" charset="0"/>
               </a:rPr>
-              <a:t>regions</a:t>
+              <a:t>years</a:t>
             </a:r>
           </a:p>
           <a:p>

--- a/crime_data_wa_final.pptx
+++ b/crime_data_wa_final.pptx
@@ -130,7 +130,6 @@
 <p1510:revInfo xmlns:a="http://schemas.openxmlformats.org/drawingml/2006/main" xmlns:r="http://schemas.openxmlformats.org/officeDocument/2006/relationships" xmlns:p1510="http://schemas.microsoft.com/office/powerpoint/2015/10/main">
   <p1510:revLst>
     <p1510:client id="{48D4B4AD-2ADE-47EA-885C-37F3E16D3639}" v="5" dt="2024-01-14T12:25:47.236"/>
-    <p1510:client id="{8C5A28F4-C84C-2348-9DC3-EFBE62ED8450}" v="84" dt="2024-01-15T12:21:45.845"/>
   </p1510:revLst>
 </p1510:revInfo>
 </file>
@@ -138,135 +137,143 @@
 <file path=ppt/changesInfos/changesInfo1.xml><?xml version="1.0" encoding="utf-8"?>
 <pc:chgInfo xmlns:a="http://schemas.openxmlformats.org/drawingml/2006/main" xmlns:r="http://schemas.openxmlformats.org/officeDocument/2006/relationships" xmlns:ac="http://schemas.microsoft.com/office/drawing/2013/main/command" xmlns:pc="http://schemas.microsoft.com/office/powerpoint/2013/main/command">
   <pc:docChgLst>
-    <pc:chgData name="Tyson Horsewell" userId="9d62520b902d234e" providerId="LiveId" clId="{8C5A28F4-C84C-2348-9DC3-EFBE62ED8450}"/>
-    <pc:docChg chg="custSel modSld">
-      <pc:chgData name="Tyson Horsewell" userId="9d62520b902d234e" providerId="LiveId" clId="{8C5A28F4-C84C-2348-9DC3-EFBE62ED8450}" dt="2024-01-15T12:21:53.460" v="194" actId="1037"/>
+    <pc:chgData name="Mel Burge" userId="e22249d90c60a859" providerId="LiveId" clId="{48D4B4AD-2ADE-47EA-885C-37F3E16D3639}"/>
+    <pc:docChg chg="custSel delSld modSld">
+      <pc:chgData name="Mel Burge" userId="e22249d90c60a859" providerId="LiveId" clId="{48D4B4AD-2ADE-47EA-885C-37F3E16D3639}" dt="2024-01-14T12:33:04.095" v="73" actId="20577"/>
       <pc:docMkLst>
         <pc:docMk/>
       </pc:docMkLst>
-      <pc:sldChg chg="addSp delSp modSp mod">
-        <pc:chgData name="Tyson Horsewell" userId="9d62520b902d234e" providerId="LiveId" clId="{8C5A28F4-C84C-2348-9DC3-EFBE62ED8450}" dt="2024-01-15T12:21:45.844" v="180"/>
+      <pc:sldChg chg="del">
+        <pc:chgData name="Mel Burge" userId="e22249d90c60a859" providerId="LiveId" clId="{48D4B4AD-2ADE-47EA-885C-37F3E16D3639}" dt="2024-01-14T12:23:11.649" v="1" actId="2696"/>
         <pc:sldMkLst>
           <pc:docMk/>
-          <pc:sldMk cId="3007793805" sldId="260"/>
+          <pc:sldMk cId="2322631896" sldId="258"/>
         </pc:sldMkLst>
-        <pc:spChg chg="add mod">
-          <ac:chgData name="Tyson Horsewell" userId="9d62520b902d234e" providerId="LiveId" clId="{8C5A28F4-C84C-2348-9DC3-EFBE62ED8450}" dt="2024-01-15T12:21:45.844" v="180"/>
+      </pc:sldChg>
+      <pc:sldChg chg="del">
+        <pc:chgData name="Mel Burge" userId="e22249d90c60a859" providerId="LiveId" clId="{48D4B4AD-2ADE-47EA-885C-37F3E16D3639}" dt="2024-01-14T11:11:46.133" v="0" actId="2696"/>
+        <pc:sldMkLst>
+          <pc:docMk/>
+          <pc:sldMk cId="657061304" sldId="264"/>
+        </pc:sldMkLst>
+      </pc:sldChg>
+      <pc:sldChg chg="addSp delSp modSp mod">
+        <pc:chgData name="Mel Burge" userId="e22249d90c60a859" providerId="LiveId" clId="{48D4B4AD-2ADE-47EA-885C-37F3E16D3639}" dt="2024-01-14T12:32:56.173" v="71" actId="20577"/>
+        <pc:sldMkLst>
+          <pc:docMk/>
+          <pc:sldMk cId="990920945" sldId="271"/>
+        </pc:sldMkLst>
+        <pc:spChg chg="mod">
+          <ac:chgData name="Mel Burge" userId="e22249d90c60a859" providerId="LiveId" clId="{48D4B4AD-2ADE-47EA-885C-37F3E16D3639}" dt="2024-01-14T12:32:56.173" v="71" actId="20577"/>
           <ac:spMkLst>
             <pc:docMk/>
-            <pc:sldMk cId="3007793805" sldId="260"/>
-            <ac:spMk id="2" creationId="{9DC9566B-E007-5A0C-B10B-CF81E7ECC77C}"/>
-          </ac:spMkLst>
-        </pc:spChg>
-        <pc:spChg chg="del">
-          <ac:chgData name="Tyson Horsewell" userId="9d62520b902d234e" providerId="LiveId" clId="{8C5A28F4-C84C-2348-9DC3-EFBE62ED8450}" dt="2024-01-15T12:21:11.587" v="160" actId="21"/>
-          <ac:spMkLst>
-            <pc:docMk/>
-            <pc:sldMk cId="3007793805" sldId="260"/>
-            <ac:spMk id="6" creationId="{49D5560D-39AA-04FD-12DF-E3AB54A69F09}"/>
-          </ac:spMkLst>
-        </pc:spChg>
-      </pc:sldChg>
-      <pc:sldChg chg="addSp delSp modSp mod">
-        <pc:chgData name="Tyson Horsewell" userId="9d62520b902d234e" providerId="LiveId" clId="{8C5A28F4-C84C-2348-9DC3-EFBE62ED8450}" dt="2024-01-15T12:21:53.460" v="194" actId="1037"/>
-        <pc:sldMkLst>
-          <pc:docMk/>
-          <pc:sldMk cId="2837789690" sldId="266"/>
-        </pc:sldMkLst>
-        <pc:spChg chg="add mod">
-          <ac:chgData name="Tyson Horsewell" userId="9d62520b902d234e" providerId="LiveId" clId="{8C5A28F4-C84C-2348-9DC3-EFBE62ED8450}" dt="2024-01-15T12:21:53.460" v="194" actId="1037"/>
-          <ac:spMkLst>
-            <pc:docMk/>
-            <pc:sldMk cId="2837789690" sldId="266"/>
-            <ac:spMk id="2" creationId="{8D58542F-A704-555C-CD74-5D16E748F3D4}"/>
-          </ac:spMkLst>
-        </pc:spChg>
-        <pc:spChg chg="del">
-          <ac:chgData name="Tyson Horsewell" userId="9d62520b902d234e" providerId="LiveId" clId="{8C5A28F4-C84C-2348-9DC3-EFBE62ED8450}" dt="2024-01-15T12:21:42.710" v="179" actId="21"/>
-          <ac:spMkLst>
-            <pc:docMk/>
-            <pc:sldMk cId="2837789690" sldId="266"/>
-            <ac:spMk id="6" creationId="{2673BA05-98C5-7D2B-29BA-2284C797A001}"/>
-          </ac:spMkLst>
-        </pc:spChg>
-      </pc:sldChg>
-      <pc:sldChg chg="addSp delSp modSp mod">
-        <pc:chgData name="Tyson Horsewell" userId="9d62520b902d234e" providerId="LiveId" clId="{8C5A28F4-C84C-2348-9DC3-EFBE62ED8450}" dt="2024-01-15T11:24:31.985" v="159" actId="1035"/>
-        <pc:sldMkLst>
-          <pc:docMk/>
-          <pc:sldMk cId="4052496734" sldId="267"/>
-        </pc:sldMkLst>
-        <pc:spChg chg="del mod">
-          <ac:chgData name="Tyson Horsewell" userId="9d62520b902d234e" providerId="LiveId" clId="{8C5A28F4-C84C-2348-9DC3-EFBE62ED8450}" dt="2024-01-15T11:22:17.795" v="13" actId="478"/>
-          <ac:spMkLst>
-            <pc:docMk/>
-            <pc:sldMk cId="4052496734" sldId="267"/>
-            <ac:spMk id="3" creationId="{ABB3AFFB-A916-434E-1C98-C2299A0766C9}"/>
+            <pc:sldMk cId="990920945" sldId="271"/>
+            <ac:spMk id="2" creationId="{B33B70BE-60A2-F583-9570-282FD84A9338}"/>
           </ac:spMkLst>
         </pc:spChg>
         <pc:spChg chg="mod">
-          <ac:chgData name="Tyson Horsewell" userId="9d62520b902d234e" providerId="LiveId" clId="{8C5A28F4-C84C-2348-9DC3-EFBE62ED8450}" dt="2024-01-15T11:23:58.308" v="121" actId="1035"/>
+          <ac:chgData name="Mel Burge" userId="e22249d90c60a859" providerId="LiveId" clId="{48D4B4AD-2ADE-47EA-885C-37F3E16D3639}" dt="2024-01-14T12:31:19.044" v="62"/>
           <ac:spMkLst>
             <pc:docMk/>
-            <pc:sldMk cId="4052496734" sldId="267"/>
-            <ac:spMk id="4" creationId="{A716D334-1398-512E-3306-3DBB2D4F69A0}"/>
+            <pc:sldMk cId="990920945" sldId="271"/>
+            <ac:spMk id="3" creationId="{65EEAEA4-1F79-B89E-83D3-CF8438FF6784}"/>
           </ac:spMkLst>
         </pc:spChg>
-        <pc:spChg chg="add del mod">
-          <ac:chgData name="Tyson Horsewell" userId="9d62520b902d234e" providerId="LiveId" clId="{8C5A28F4-C84C-2348-9DC3-EFBE62ED8450}" dt="2024-01-15T11:22:19.881" v="14" actId="478"/>
-          <ac:spMkLst>
-            <pc:docMk/>
-            <pc:sldMk cId="4052496734" sldId="267"/>
-            <ac:spMk id="6" creationId="{8F4621AF-D649-F65E-8210-6083FE3225BA}"/>
-          </ac:spMkLst>
-        </pc:spChg>
-        <pc:spChg chg="add mod">
-          <ac:chgData name="Tyson Horsewell" userId="9d62520b902d234e" providerId="LiveId" clId="{8C5A28F4-C84C-2348-9DC3-EFBE62ED8450}" dt="2024-01-15T11:24:26.338" v="156" actId="1036"/>
-          <ac:spMkLst>
-            <pc:docMk/>
-            <pc:sldMk cId="4052496734" sldId="267"/>
-            <ac:spMk id="7" creationId="{5E257649-6905-FBA6-7014-CC22723BB8AA}"/>
-          </ac:spMkLst>
-        </pc:spChg>
-        <pc:spChg chg="add mod">
-          <ac:chgData name="Tyson Horsewell" userId="9d62520b902d234e" providerId="LiveId" clId="{8C5A28F4-C84C-2348-9DC3-EFBE62ED8450}" dt="2024-01-15T11:24:31.985" v="159" actId="1035"/>
-          <ac:spMkLst>
-            <pc:docMk/>
-            <pc:sldMk cId="4052496734" sldId="267"/>
-            <ac:spMk id="8" creationId="{2289D29C-4FEE-CA65-A032-26679232CD85}"/>
-          </ac:spMkLst>
-        </pc:spChg>
-        <pc:picChg chg="mod">
-          <ac:chgData name="Tyson Horsewell" userId="9d62520b902d234e" providerId="LiveId" clId="{8C5A28F4-C84C-2348-9DC3-EFBE62ED8450}" dt="2024-01-15T11:24:03.535" v="132" actId="1036"/>
+        <pc:picChg chg="add mod">
+          <ac:chgData name="Mel Burge" userId="e22249d90c60a859" providerId="LiveId" clId="{48D4B4AD-2ADE-47EA-885C-37F3E16D3639}" dt="2024-01-14T12:24:12.634" v="15" actId="14100"/>
           <ac:picMkLst>
             <pc:docMk/>
-            <pc:sldMk cId="4052496734" sldId="267"/>
-            <ac:picMk id="1026" creationId="{29E80C23-F6F0-9973-C50E-321886F207E6}"/>
+            <pc:sldMk cId="990920945" sldId="271"/>
+            <ac:picMk id="4" creationId="{595700D2-3BBD-F749-D01F-68BD23A40191}"/>
           </ac:picMkLst>
         </pc:picChg>
-        <pc:picChg chg="mod">
-          <ac:chgData name="Tyson Horsewell" userId="9d62520b902d234e" providerId="LiveId" clId="{8C5A28F4-C84C-2348-9DC3-EFBE62ED8450}" dt="2024-01-15T11:24:07.623" v="136" actId="1036"/>
+        <pc:picChg chg="add del mod">
+          <ac:chgData name="Mel Burge" userId="e22249d90c60a859" providerId="LiveId" clId="{48D4B4AD-2ADE-47EA-885C-37F3E16D3639}" dt="2024-01-14T12:25:45.415" v="27" actId="478"/>
           <ac:picMkLst>
             <pc:docMk/>
-            <pc:sldMk cId="4052496734" sldId="267"/>
-            <ac:picMk id="1028" creationId="{17CE3B4C-3A75-CA48-EB8A-620AA9F59301}"/>
+            <pc:sldMk cId="990920945" sldId="271"/>
+            <ac:picMk id="5" creationId="{1F08BAAB-EEDC-C5EF-6F67-95BBD45E6D8A}"/>
+          </ac:picMkLst>
+        </pc:picChg>
+        <pc:picChg chg="add mod">
+          <ac:chgData name="Mel Burge" userId="e22249d90c60a859" providerId="LiveId" clId="{48D4B4AD-2ADE-47EA-885C-37F3E16D3639}" dt="2024-01-14T12:31:41.064" v="63" actId="1076"/>
+          <ac:picMkLst>
+            <pc:docMk/>
+            <pc:sldMk cId="990920945" sldId="271"/>
+            <ac:picMk id="6" creationId="{345843AB-38C5-3E47-E89A-80DD914139D8}"/>
+          </ac:picMkLst>
+        </pc:picChg>
+        <pc:picChg chg="del">
+          <ac:chgData name="Mel Burge" userId="e22249d90c60a859" providerId="LiveId" clId="{48D4B4AD-2ADE-47EA-885C-37F3E16D3639}" dt="2024-01-14T12:23:36.470" v="8" actId="478"/>
+          <ac:picMkLst>
+            <pc:docMk/>
+            <pc:sldMk cId="990920945" sldId="271"/>
+            <ac:picMk id="10" creationId="{C9FBA1F8-FAC5-8B39-470B-F81A2FE632B9}"/>
+          </ac:picMkLst>
+        </pc:picChg>
+        <pc:picChg chg="del">
+          <ac:chgData name="Mel Burge" userId="e22249d90c60a859" providerId="LiveId" clId="{48D4B4AD-2ADE-47EA-885C-37F3E16D3639}" dt="2024-01-14T12:23:18.909" v="2" actId="478"/>
+          <ac:picMkLst>
+            <pc:docMk/>
+            <pc:sldMk cId="990920945" sldId="271"/>
+            <ac:picMk id="11" creationId="{D9CDF927-1953-298E-7DA4-892C6010B7CC}"/>
           </ac:picMkLst>
         </pc:picChg>
       </pc:sldChg>
-      <pc:sldChg chg="modSp mod">
-        <pc:chgData name="Tyson Horsewell" userId="9d62520b902d234e" providerId="LiveId" clId="{8C5A28F4-C84C-2348-9DC3-EFBE62ED8450}" dt="2024-01-15T09:55:52.903" v="5" actId="27636"/>
+      <pc:sldChg chg="addSp delSp modSp mod">
+        <pc:chgData name="Mel Burge" userId="e22249d90c60a859" providerId="LiveId" clId="{48D4B4AD-2ADE-47EA-885C-37F3E16D3639}" dt="2024-01-14T12:33:04.095" v="73" actId="20577"/>
         <pc:sldMkLst>
           <pc:docMk/>
-          <pc:sldMk cId="456904907" sldId="269"/>
+          <pc:sldMk cId="2513013952" sldId="272"/>
         </pc:sldMkLst>
         <pc:spChg chg="mod">
-          <ac:chgData name="Tyson Horsewell" userId="9d62520b902d234e" providerId="LiveId" clId="{8C5A28F4-C84C-2348-9DC3-EFBE62ED8450}" dt="2024-01-15T09:55:52.903" v="5" actId="27636"/>
+          <ac:chgData name="Mel Burge" userId="e22249d90c60a859" providerId="LiveId" clId="{48D4B4AD-2ADE-47EA-885C-37F3E16D3639}" dt="2024-01-14T12:33:04.095" v="73" actId="20577"/>
           <ac:spMkLst>
             <pc:docMk/>
-            <pc:sldMk cId="456904907" sldId="269"/>
-            <ac:spMk id="4" creationId="{62FC3670-22B4-A43F-88B6-843477EACE52}"/>
+            <pc:sldMk cId="2513013952" sldId="272"/>
+            <ac:spMk id="2" creationId="{B33B70BE-60A2-F583-9570-282FD84A9338}"/>
           </ac:spMkLst>
         </pc:spChg>
+        <pc:spChg chg="mod">
+          <ac:chgData name="Mel Burge" userId="e22249d90c60a859" providerId="LiveId" clId="{48D4B4AD-2ADE-47EA-885C-37F3E16D3639}" dt="2024-01-14T12:29:52.001" v="55" actId="6549"/>
+          <ac:spMkLst>
+            <pc:docMk/>
+            <pc:sldMk cId="2513013952" sldId="272"/>
+            <ac:spMk id="3" creationId="{65EEAEA4-1F79-B89E-83D3-CF8438FF6784}"/>
+          </ac:spMkLst>
+        </pc:spChg>
+        <pc:picChg chg="add mod">
+          <ac:chgData name="Mel Burge" userId="e22249d90c60a859" providerId="LiveId" clId="{48D4B4AD-2ADE-47EA-885C-37F3E16D3639}" dt="2024-01-14T12:30:26.071" v="59" actId="14100"/>
+          <ac:picMkLst>
+            <pc:docMk/>
+            <pc:sldMk cId="2513013952" sldId="272"/>
+            <ac:picMk id="4" creationId="{0A174F1B-E0A6-70EB-A9A3-500019DE8921}"/>
+          </ac:picMkLst>
+        </pc:picChg>
+        <pc:picChg chg="add mod">
+          <ac:chgData name="Mel Burge" userId="e22249d90c60a859" providerId="LiveId" clId="{48D4B4AD-2ADE-47EA-885C-37F3E16D3639}" dt="2024-01-14T12:30:30.015" v="60" actId="1076"/>
+          <ac:picMkLst>
+            <pc:docMk/>
+            <pc:sldMk cId="2513013952" sldId="272"/>
+            <ac:picMk id="5" creationId="{67D6F0DB-F766-551F-F752-58FABE77E253}"/>
+          </ac:picMkLst>
+        </pc:picChg>
+        <pc:picChg chg="del">
+          <ac:chgData name="Mel Burge" userId="e22249d90c60a859" providerId="LiveId" clId="{48D4B4AD-2ADE-47EA-885C-37F3E16D3639}" dt="2024-01-14T12:24:21.710" v="17" actId="478"/>
+          <ac:picMkLst>
+            <pc:docMk/>
+            <pc:sldMk cId="2513013952" sldId="272"/>
+            <ac:picMk id="7" creationId="{7AB690C5-7770-8F25-2EEE-CC97561E4DEE}"/>
+          </ac:picMkLst>
+        </pc:picChg>
+        <pc:picChg chg="del">
+          <ac:chgData name="Mel Burge" userId="e22249d90c60a859" providerId="LiveId" clId="{48D4B4AD-2ADE-47EA-885C-37F3E16D3639}" dt="2024-01-14T12:24:22.451" v="18" actId="478"/>
+          <ac:picMkLst>
+            <pc:docMk/>
+            <pc:sldMk cId="2513013952" sldId="272"/>
+            <ac:picMk id="9" creationId="{94C20225-1ECD-2845-7AC9-94150AA29F01}"/>
+          </ac:picMkLst>
+        </pc:picChg>
       </pc:sldChg>
     </pc:docChg>
   </pc:docChgLst>
@@ -355,7 +362,7 @@
           <a:p>
             <a:fld id="{E15F6783-B479-4E27-A1FF-CCF74E8EF13E}" type="datetimeFigureOut">
               <a:rPr lang="en-AU" smtClean="0"/>
-              <a:t>15/1/2024</a:t>
+              <a:t>15/01/2024</a:t>
             </a:fld>
             <a:endParaRPr lang="en-AU"/>
           </a:p>
@@ -932,7 +939,7 @@
             <a:fld id="{5586B75A-687E-405C-8A0B-8D00578BA2C3}" type="datetimeFigureOut">
               <a:rPr lang="en-US" dirty="0"/>
               <a:pPr/>
-              <a:t>1/15/24</a:t>
+              <a:t>1/15/2024</a:t>
             </a:fld>
             <a:endParaRPr lang="en-US" dirty="0"/>
           </a:p>
@@ -1099,7 +1106,7 @@
             <a:fld id="{5586B75A-687E-405C-8A0B-8D00578BA2C3}" type="datetimeFigureOut">
               <a:rPr lang="en-US" dirty="0"/>
               <a:pPr/>
-              <a:t>1/15/24</a:t>
+              <a:t>1/15/2024</a:t>
             </a:fld>
             <a:endParaRPr lang="en-US" dirty="0"/>
           </a:p>
@@ -1276,7 +1283,7 @@
             <a:fld id="{5586B75A-687E-405C-8A0B-8D00578BA2C3}" type="datetimeFigureOut">
               <a:rPr lang="en-US" dirty="0"/>
               <a:pPr/>
-              <a:t>1/15/24</a:t>
+              <a:t>1/15/2024</a:t>
             </a:fld>
             <a:endParaRPr lang="en-US" dirty="0"/>
           </a:p>
@@ -1443,7 +1450,7 @@
             <a:fld id="{5586B75A-687E-405C-8A0B-8D00578BA2C3}" type="datetimeFigureOut">
               <a:rPr lang="en-US" dirty="0"/>
               <a:pPr/>
-              <a:t>1/15/24</a:t>
+              <a:t>1/15/2024</a:t>
             </a:fld>
             <a:endParaRPr lang="en-US" dirty="0"/>
           </a:p>
@@ -1698,7 +1705,7 @@
             <a:fld id="{5586B75A-687E-405C-8A0B-8D00578BA2C3}" type="datetimeFigureOut">
               <a:rPr lang="en-US" dirty="0"/>
               <a:pPr/>
-              <a:t>1/15/24</a:t>
+              <a:t>1/15/2024</a:t>
             </a:fld>
             <a:endParaRPr lang="en-US" dirty="0"/>
           </a:p>
@@ -1983,7 +1990,7 @@
             <a:fld id="{5586B75A-687E-405C-8A0B-8D00578BA2C3}" type="datetimeFigureOut">
               <a:rPr lang="en-US" dirty="0"/>
               <a:pPr/>
-              <a:t>1/15/24</a:t>
+              <a:t>1/15/2024</a:t>
             </a:fld>
             <a:endParaRPr lang="en-US" dirty="0"/>
           </a:p>
@@ -2422,7 +2429,7 @@
             <a:fld id="{5586B75A-687E-405C-8A0B-8D00578BA2C3}" type="datetimeFigureOut">
               <a:rPr lang="en-US" dirty="0"/>
               <a:pPr/>
-              <a:t>1/15/24</a:t>
+              <a:t>1/15/2024</a:t>
             </a:fld>
             <a:endParaRPr lang="en-US" dirty="0"/>
           </a:p>
@@ -2537,7 +2544,7 @@
             <a:fld id="{5586B75A-687E-405C-8A0B-8D00578BA2C3}" type="datetimeFigureOut">
               <a:rPr lang="en-US" dirty="0"/>
               <a:pPr/>
-              <a:t>1/15/24</a:t>
+              <a:t>1/15/2024</a:t>
             </a:fld>
             <a:endParaRPr lang="en-US" dirty="0"/>
           </a:p>
@@ -2629,7 +2636,7 @@
             <a:fld id="{5586B75A-687E-405C-8A0B-8D00578BA2C3}" type="datetimeFigureOut">
               <a:rPr lang="en-US" dirty="0"/>
               <a:pPr/>
-              <a:t>1/15/24</a:t>
+              <a:t>1/15/2024</a:t>
             </a:fld>
             <a:endParaRPr lang="en-US" dirty="0"/>
           </a:p>
@@ -2914,7 +2921,7 @@
             <a:fld id="{5586B75A-687E-405C-8A0B-8D00578BA2C3}" type="datetimeFigureOut">
               <a:rPr lang="en-US" dirty="0"/>
               <a:pPr/>
-              <a:t>1/15/24</a:t>
+              <a:t>1/15/2024</a:t>
             </a:fld>
             <a:endParaRPr lang="en-US" dirty="0"/>
           </a:p>
@@ -3184,7 +3191,7 @@
             <a:fld id="{5586B75A-687E-405C-8A0B-8D00578BA2C3}" type="datetimeFigureOut">
               <a:rPr lang="en-US" dirty="0"/>
               <a:pPr/>
-              <a:t>1/15/24</a:t>
+              <a:t>1/15/2024</a:t>
             </a:fld>
             <a:endParaRPr lang="en-US" dirty="0"/>
           </a:p>
@@ -3478,7 +3485,7 @@
             <a:fld id="{5586B75A-687E-405C-8A0B-8D00578BA2C3}" type="datetimeFigureOut">
               <a:rPr lang="en-US" dirty="0"/>
               <a:pPr/>
-              <a:t>1/15/24</a:t>
+              <a:t>1/15/2024</a:t>
             </a:fld>
             <a:endParaRPr lang="en-US" dirty="0"/>
           </a:p>
@@ -4636,7 +4643,7 @@
         </p:spPr>
         <p:txBody>
           <a:bodyPr>
-            <a:normAutofit fontScale="92500" lnSpcReduction="10000"/>
+            <a:normAutofit lnSpcReduction="10000"/>
           </a:bodyPr>
           <a:lstStyle/>
           <a:p>
@@ -4679,14 +4686,14 @@
               </a:rPr>
               <a:t>https://www.abs.gov.au/statistics/people/population/national-state-and-territory-population/latest-release</a:t>
             </a:r>
-            <a:endParaRPr lang="en-AU" b="0" i="0" dirty="0">
-              <a:effectLst/>
-              <a:latin typeface="Arial" panose="020B0604020202020204" pitchFamily="34" charset="0"/>
-              <a:cs typeface="Arial" panose="020B0604020202020204" pitchFamily="34" charset="0"/>
-            </a:endParaRPr>
-          </a:p>
-          <a:p>
-            <a:pPr algn="l"/>
+            <a:r>
+              <a:rPr lang="en-AU" b="0" i="0" dirty="0">
+                <a:effectLst/>
+                <a:latin typeface="Arial" panose="020B0604020202020204" pitchFamily="34" charset="0"/>
+                <a:cs typeface="Arial" panose="020B0604020202020204" pitchFamily="34" charset="0"/>
+              </a:rPr>
+              <a:t> </a:t>
+            </a:r>
             <a:r>
               <a:rPr lang="en-AU" b="0" i="0" u="sng" dirty="0">
                 <a:effectLst/>
@@ -4748,14 +4755,14 @@
               </a:rPr>
               <a:t>https://www.abc.net.au/news/2016-02-11/wa-police-commissioner-backs-down-on-new-policing-model/7159736</a:t>
             </a:r>
-            <a:endParaRPr lang="en-AU" b="0" i="0" dirty="0">
-              <a:effectLst/>
-              <a:latin typeface="Arial" panose="020B0604020202020204" pitchFamily="34" charset="0"/>
-              <a:cs typeface="Arial" panose="020B0604020202020204" pitchFamily="34" charset="0"/>
-            </a:endParaRPr>
-          </a:p>
-          <a:p>
-            <a:pPr algn="l"/>
+            <a:r>
+              <a:rPr lang="en-AU" b="0" i="0" dirty="0">
+                <a:effectLst/>
+                <a:latin typeface="Arial" panose="020B0604020202020204" pitchFamily="34" charset="0"/>
+                <a:cs typeface="Arial" panose="020B0604020202020204" pitchFamily="34" charset="0"/>
+              </a:rPr>
+              <a:t> </a:t>
+            </a:r>
             <a:r>
               <a:rPr lang="en-AU" b="0" i="0" u="sng" dirty="0">
                 <a:effectLst/>
@@ -4771,14 +4778,14 @@
               </a:rPr>
               <a:t>https://wamnnews.com.au/news/wa-police-overhauls-front-line-model-to-combat-rising-crime-rate/</a:t>
             </a:r>
-            <a:endParaRPr lang="en-AU" b="0" i="0" dirty="0">
-              <a:effectLst/>
-              <a:latin typeface="Arial" panose="020B0604020202020204" pitchFamily="34" charset="0"/>
-              <a:cs typeface="Arial" panose="020B0604020202020204" pitchFamily="34" charset="0"/>
-            </a:endParaRPr>
-          </a:p>
-          <a:p>
-            <a:pPr algn="l"/>
+            <a:r>
+              <a:rPr lang="en-AU" b="0" i="0" dirty="0">
+                <a:effectLst/>
+                <a:latin typeface="Arial" panose="020B0604020202020204" pitchFamily="34" charset="0"/>
+                <a:cs typeface="Arial" panose="020B0604020202020204" pitchFamily="34" charset="0"/>
+              </a:rPr>
+              <a:t> </a:t>
+            </a:r>
             <a:r>
               <a:rPr lang="en-AU" b="0" i="0" u="sng" dirty="0">
                 <a:effectLst/>
@@ -4794,14 +4801,14 @@
               </a:rPr>
               <a:t>https://thewest.com.au/politics/law-and-order/secret-police-files-liza-harvey-says-frontline-2020-policing-model-was-never-given-a-chance-ng-b881236411z</a:t>
             </a:r>
-            <a:endParaRPr lang="en-AU" b="0" i="0" dirty="0">
-              <a:effectLst/>
-              <a:latin typeface="Arial" panose="020B0604020202020204" pitchFamily="34" charset="0"/>
-              <a:cs typeface="Arial" panose="020B0604020202020204" pitchFamily="34" charset="0"/>
-            </a:endParaRPr>
-          </a:p>
-          <a:p>
-            <a:pPr algn="l"/>
+            <a:r>
+              <a:rPr lang="en-AU" b="0" i="0" dirty="0">
+                <a:effectLst/>
+                <a:latin typeface="Arial" panose="020B0604020202020204" pitchFamily="34" charset="0"/>
+                <a:cs typeface="Arial" panose="020B0604020202020204" pitchFamily="34" charset="0"/>
+              </a:rPr>
+              <a:t> </a:t>
+            </a:r>
             <a:r>
               <a:rPr lang="en-AU" b="0" i="0" u="sng" dirty="0">
                 <a:effectLst/>
@@ -5529,6 +5536,34 @@
       </p:sp>
       <p:sp>
         <p:nvSpPr>
+          <p:cNvPr id="3" name="Text Placeholder 2">
+            <a:extLst>
+              <a:ext uri="{FF2B5EF4-FFF2-40B4-BE49-F238E27FC236}">
+                <a16:creationId xmlns:a16="http://schemas.microsoft.com/office/drawing/2014/main" id="{ABB3AFFB-A916-434E-1C98-C2299A0766C9}"/>
+              </a:ext>
+            </a:extLst>
+          </p:cNvPr>
+          <p:cNvSpPr>
+            <a:spLocks noGrp="1"/>
+          </p:cNvSpPr>
+          <p:nvPr>
+            <p:ph type="body" idx="1"/>
+          </p:nvPr>
+        </p:nvSpPr>
+        <p:spPr/>
+        <p:txBody>
+          <a:bodyPr/>
+          <a:lstStyle/>
+          <a:p>
+            <a:r>
+              <a:rPr lang="en-AU" dirty="0"/>
+              <a:t>TYSON</a:t>
+            </a:r>
+          </a:p>
+        </p:txBody>
+      </p:sp>
+      <p:sp>
+        <p:nvSpPr>
           <p:cNvPr id="4" name="Content Placeholder 3">
             <a:extLst>
               <a:ext uri="{FF2B5EF4-FFF2-40B4-BE49-F238E27FC236}">
@@ -5545,7 +5580,7 @@
         </p:nvSpPr>
         <p:spPr>
           <a:xfrm>
-            <a:off x="3918154" y="3993171"/>
+            <a:off x="3867912" y="3200456"/>
             <a:ext cx="7425271" cy="2834584"/>
           </a:xfrm>
         </p:spPr>
@@ -5636,8 +5671,8 @@
         </p:blipFill>
         <p:spPr bwMode="auto">
           <a:xfrm>
-            <a:off x="4101285" y="2725567"/>
-            <a:ext cx="6820112" cy="1731668"/>
+            <a:off x="7726209" y="1962728"/>
+            <a:ext cx="4027375" cy="1022575"/>
           </a:xfrm>
           <a:prstGeom prst="rect">
             <a:avLst/>
@@ -5683,8 +5718,8 @@
         </p:blipFill>
         <p:spPr bwMode="auto">
           <a:xfrm>
-            <a:off x="4101285" y="542612"/>
-            <a:ext cx="6820109" cy="1806264"/>
+            <a:off x="3585446" y="1918678"/>
+            <a:ext cx="4027373" cy="1066625"/>
           </a:xfrm>
           <a:prstGeom prst="rect">
             <a:avLst/>
@@ -5701,76 +5736,6 @@
           </a:extLst>
         </p:spPr>
       </p:pic>
-      <p:sp>
-        <p:nvSpPr>
-          <p:cNvPr id="7" name="TextBox 6">
-            <a:extLst>
-              <a:ext uri="{FF2B5EF4-FFF2-40B4-BE49-F238E27FC236}">
-                <a16:creationId xmlns:a16="http://schemas.microsoft.com/office/drawing/2014/main" id="{5E257649-6905-FBA6-7014-CC22723BB8AA}"/>
-              </a:ext>
-            </a:extLst>
-          </p:cNvPr>
-          <p:cNvSpPr txBox="1"/>
-          <p:nvPr/>
-        </p:nvSpPr>
-        <p:spPr>
-          <a:xfrm>
-            <a:off x="6390936" y="267983"/>
-            <a:ext cx="2240806" cy="369332"/>
-          </a:xfrm>
-          <a:prstGeom prst="rect">
-            <a:avLst/>
-          </a:prstGeom>
-          <a:noFill/>
-        </p:spPr>
-        <p:txBody>
-          <a:bodyPr wrap="none" rtlCol="0">
-            <a:spAutoFit/>
-          </a:bodyPr>
-          <a:lstStyle/>
-          <a:p>
-            <a:r>
-              <a:rPr lang="en-AU" dirty="0"/>
-              <a:t>Crime and Population</a:t>
-            </a:r>
-          </a:p>
-        </p:txBody>
-      </p:sp>
-      <p:sp>
-        <p:nvSpPr>
-          <p:cNvPr id="8" name="TextBox 7">
-            <a:extLst>
-              <a:ext uri="{FF2B5EF4-FFF2-40B4-BE49-F238E27FC236}">
-                <a16:creationId xmlns:a16="http://schemas.microsoft.com/office/drawing/2014/main" id="{2289D29C-4FEE-CA65-A032-26679232CD85}"/>
-              </a:ext>
-            </a:extLst>
-          </p:cNvPr>
-          <p:cNvSpPr txBox="1"/>
-          <p:nvPr/>
-        </p:nvSpPr>
-        <p:spPr>
-          <a:xfrm>
-            <a:off x="6312224" y="2396901"/>
-            <a:ext cx="2390398" cy="369332"/>
-          </a:xfrm>
-          <a:prstGeom prst="rect">
-            <a:avLst/>
-          </a:prstGeom>
-          <a:noFill/>
-        </p:spPr>
-        <p:txBody>
-          <a:bodyPr wrap="none" rtlCol="0">
-            <a:spAutoFit/>
-          </a:bodyPr>
-          <a:lstStyle/>
-          <a:p>
-            <a:r>
-              <a:rPr lang="en-AU" dirty="0"/>
-              <a:t>Crime and Immigration</a:t>
-            </a:r>
-          </a:p>
-        </p:txBody>
-      </p:sp>
     </p:spTree>
     <p:extLst>
       <p:ext uri="{BB962C8B-B14F-4D97-AF65-F5344CB8AC3E}">
@@ -5933,10 +5898,10 @@
       </p:sp>
       <p:pic>
         <p:nvPicPr>
-          <p:cNvPr id="18" name="Content Placeholder 17" descr="A pie chart with numbers and text&#10;&#10;Description automatically generated">
+          <p:cNvPr id="8" name="Content Placeholder 7" descr="A pie chart with numbers and text&#10;&#10;Description automatically generated">
             <a:extLst>
               <a:ext uri="{FF2B5EF4-FFF2-40B4-BE49-F238E27FC236}">
-                <a16:creationId xmlns:a16="http://schemas.microsoft.com/office/drawing/2014/main" id="{30AB9584-4E77-FF39-EA14-88C3F5B4EB15}"/>
+                <a16:creationId xmlns:a16="http://schemas.microsoft.com/office/drawing/2014/main" id="{7FB636A1-C2A8-AF91-9CD9-61B3E04AA4E3}"/>
               </a:ext>
             </a:extLst>
           </p:cNvPr>
@@ -5955,8 +5920,8 @@
         </p:blipFill>
         <p:spPr>
           <a:xfrm>
-            <a:off x="6277874" y="1622942"/>
-            <a:ext cx="5639165" cy="3485725"/>
+            <a:off x="6247389" y="1831306"/>
+            <a:ext cx="5488423" cy="3392547"/>
           </a:xfrm>
         </p:spPr>
       </p:pic>
@@ -6208,10 +6173,10 @@
       </p:sp>
       <p:sp>
         <p:nvSpPr>
-          <p:cNvPr id="2" name="TextBox 1">
+          <p:cNvPr id="6" name="TextBox 5">
             <a:extLst>
               <a:ext uri="{FF2B5EF4-FFF2-40B4-BE49-F238E27FC236}">
-                <a16:creationId xmlns:a16="http://schemas.microsoft.com/office/drawing/2014/main" id="{9DC9566B-E007-5A0C-B10B-CF81E7ECC77C}"/>
+                <a16:creationId xmlns:a16="http://schemas.microsoft.com/office/drawing/2014/main" id="{49D5560D-39AA-04FD-12DF-E3AB54A69F09}"/>
               </a:ext>
             </a:extLst>
           </p:cNvPr>
@@ -6220,8 +6185,8 @@
         </p:nvSpPr>
         <p:spPr>
           <a:xfrm>
-            <a:off x="120407" y="93073"/>
-            <a:ext cx="6134987" cy="861774"/>
+            <a:off x="162936" y="98668"/>
+            <a:ext cx="6269761" cy="861774"/>
           </a:xfrm>
           <a:prstGeom prst="rect">
             <a:avLst/>
@@ -6318,25 +6283,7 @@
                 <a:ea typeface="Calibri" panose="020F0502020204030204" pitchFamily="34" charset="0"/>
                 <a:cs typeface="Times New Roman" panose="02020603050405020304" pitchFamily="18" charset="0"/>
               </a:rPr>
-              <a:t>the</a:t>
-            </a:r>
-            <a:r>
-              <a:rPr lang="en-AU" sz="3200" b="1" dirty="0"/>
-              <a:t> </a:t>
-            </a:r>
-            <a:r>
-              <a:rPr lang="en-AU" sz="2000" b="1" kern="100" dirty="0">
-                <a:solidFill>
-                  <a:schemeClr val="tx1">
-                    <a:lumMod val="65000"/>
-                    <a:lumOff val="35000"/>
-                  </a:schemeClr>
-                </a:solidFill>
-                <a:latin typeface="Arial" panose="020B0604020202020204" pitchFamily="34" charset="0"/>
-                <a:ea typeface="Calibri" panose="020F0502020204030204" pitchFamily="34" charset="0"/>
-                <a:cs typeface="Times New Roman" panose="02020603050405020304" pitchFamily="18" charset="0"/>
-              </a:rPr>
-              <a:t>regions</a:t>
+              <a:t>the regions</a:t>
             </a:r>
           </a:p>
           <a:p>
@@ -6633,10 +6580,10 @@
       </p:sp>
       <p:sp>
         <p:nvSpPr>
-          <p:cNvPr id="2" name="TextBox 1">
+          <p:cNvPr id="6" name="TextBox 5">
             <a:extLst>
               <a:ext uri="{FF2B5EF4-FFF2-40B4-BE49-F238E27FC236}">
-                <a16:creationId xmlns:a16="http://schemas.microsoft.com/office/drawing/2014/main" id="{8D58542F-A704-555C-CD74-5D16E748F3D4}"/>
+                <a16:creationId xmlns:a16="http://schemas.microsoft.com/office/drawing/2014/main" id="{2673BA05-98C5-7D2B-29BA-2284C797A001}"/>
               </a:ext>
             </a:extLst>
           </p:cNvPr>
@@ -6645,8 +6592,8 @@
         </p:nvSpPr>
         <p:spPr>
           <a:xfrm>
-            <a:off x="121994" y="98668"/>
-            <a:ext cx="6269761" cy="861774"/>
+            <a:off x="120407" y="93073"/>
+            <a:ext cx="6134987" cy="861774"/>
           </a:xfrm>
           <a:prstGeom prst="rect">
             <a:avLst/>
@@ -6732,7 +6679,7 @@
               <a:t> </a:t>
             </a:r>
             <a:r>
-              <a:rPr lang="en-AU" sz="2000" b="1" kern="100" dirty="0">
+              <a:rPr lang="en-AU" sz="2000" b="1" kern="100">
                 <a:solidFill>
                   <a:schemeClr val="tx1">
                     <a:lumMod val="65000"/>
@@ -6746,11 +6693,11 @@
               <a:t>the</a:t>
             </a:r>
             <a:r>
-              <a:rPr lang="en-AU" sz="3200" b="1" dirty="0"/>
+              <a:rPr lang="en-AU" sz="3200" b="1"/>
               <a:t> </a:t>
             </a:r>
             <a:r>
-              <a:rPr lang="en-AU" sz="2000" b="1" kern="100" dirty="0">
+              <a:rPr lang="en-AU" sz="2000" b="1" kern="100">
                 <a:solidFill>
                   <a:schemeClr val="tx1">
                     <a:lumMod val="65000"/>
@@ -6763,6 +6710,17 @@
               </a:rPr>
               <a:t>years</a:t>
             </a:r>
+            <a:endParaRPr lang="en-AU" sz="2000" b="1" kern="100" dirty="0">
+              <a:solidFill>
+                <a:schemeClr val="tx1">
+                  <a:lumMod val="65000"/>
+                  <a:lumOff val="35000"/>
+                </a:schemeClr>
+              </a:solidFill>
+              <a:latin typeface="Arial" panose="020B0604020202020204" pitchFamily="34" charset="0"/>
+              <a:ea typeface="Calibri" panose="020F0502020204030204" pitchFamily="34" charset="0"/>
+              <a:cs typeface="Times New Roman" panose="02020603050405020304" pitchFamily="18" charset="0"/>
+            </a:endParaRPr>
           </a:p>
           <a:p>
             <a:endParaRPr lang="en-AU" dirty="0"/>
@@ -7847,8 +7805,8 @@
         </p:nvSpPr>
         <p:spPr>
           <a:xfrm>
-            <a:off x="0" y="1060257"/>
-            <a:ext cx="11628782" cy="2062103"/>
+            <a:off x="281609" y="1236488"/>
+            <a:ext cx="11628782" cy="1815882"/>
           </a:xfrm>
           <a:prstGeom prst="rect">
             <a:avLst/>
@@ -7879,8 +7837,9 @@
                 <a:effectLst/>
                 <a:latin typeface="Söhne"/>
               </a:rPr>
-              <a:t>The commencement of the Mining Boom in 2010 signaled the start of a phase defined by increased incomes and a surplus of job opportunities in the mining sector. Even the 2020 lockdown amid the COVID-19 pandemic did not have as pronounced an impact on crime rates as the Mining Boom in 2010.</a:t>
-            </a:r>
+              <a:t>The onset of the 2010 Mining Boom marked the initiation of a period characterized by elevated incomes and a surplus of job opportunities within the mining industry.</a:t>
+            </a:r>
+            <a:endParaRPr lang="en-US" sz="1600" dirty="0"/>
           </a:p>
           <a:p>
             <a:r>
